--- a/5.8/Tryton 5.8 - Doc 01.01 - Installation & administration.pptx
+++ b/5.8/Tryton 5.8 - Doc 01.01 - Installation & administration.pptx
@@ -19780,14 +19780,14 @@
           <p:nvPr>
             <p:extLst>
               <p:ext uri="{D42A27DB-BD31-4B8C-83A1-F6EECF244321}">
-                <p14:modId xmlns:p14="http://schemas.microsoft.com/office/powerpoint/2010/main" val="3442519232"/>
+                <p14:modId xmlns:p14="http://schemas.microsoft.com/office/powerpoint/2010/main" val="490779735"/>
               </p:ext>
             </p:extLst>
           </p:nvPr>
         </p:nvGraphicFramePr>
         <p:xfrm>
           <a:off x="841128" y="1546142"/>
-          <a:ext cx="11274672" cy="3215640"/>
+          <a:ext cx="11274672" cy="4130040"/>
         </p:xfrm>
         <a:graphic>
           <a:graphicData uri="http://schemas.openxmlformats.org/drawingml/2006/table">
@@ -20353,6 +20353,132 @@
                 <a:extLst>
                   <a:ext uri="{0D108BD9-81ED-4DB2-BD59-A6C34878D82A}">
                     <a16:rowId xmlns:a16="http://schemas.microsoft.com/office/drawing/2014/main" val="3204128428"/>
+                  </a:ext>
+                </a:extLst>
+              </a:tr>
+              <a:tr h="370840">
+                <a:tc>
+                  <a:txBody>
+                    <a:bodyPr/>
+                    <a:lstStyle/>
+                    <a:p>
+                      <a:pPr marL="0" marR="0" lvl="0" indent="0" algn="l" defTabSz="914400" rtl="0" eaLnBrk="1" fontAlgn="auto" latinLnBrk="0" hangingPunct="1">
+                        <a:lnSpc>
+                          <a:spcPct val="100000"/>
+                        </a:lnSpc>
+                        <a:spcBef>
+                          <a:spcPts val="0"/>
+                        </a:spcBef>
+                        <a:spcAft>
+                          <a:spcPts val="0"/>
+                        </a:spcAft>
+                        <a:buClrTx/>
+                        <a:buSzTx/>
+                        <a:buFontTx/>
+                        <a:buNone/>
+                        <a:tabLst/>
+                        <a:defRPr/>
+                      </a:pPr>
+                      <a:r>
+                        <a:rPr lang="fr-BE"/>
+                        <a:t>-</a:t>
+                      </a:r>
+                      <a:endParaRPr lang="en-BE" dirty="0"/>
+                    </a:p>
+                  </a:txBody>
+                  <a:tcPr/>
+                </a:tc>
+                <a:tc>
+                  <a:txBody>
+                    <a:bodyPr/>
+                    <a:lstStyle/>
+                    <a:p>
+                      <a:r>
+                        <a:rPr lang="fr-BE" dirty="0" err="1"/>
+                        <a:t>Financials</a:t>
+                      </a:r>
+                      <a:r>
+                        <a:rPr lang="fr-BE" dirty="0"/>
+                        <a:t>&gt;Configuration&gt;Payments&gt;</a:t>
+                      </a:r>
+                      <a:r>
+                        <a:rPr lang="fr-BE" dirty="0" err="1"/>
+                        <a:t>Payment</a:t>
+                      </a:r>
+                      <a:r>
+                        <a:rPr lang="fr-BE" dirty="0"/>
+                        <a:t> </a:t>
+                      </a:r>
+                      <a:r>
+                        <a:rPr lang="fr-BE" dirty="0" err="1"/>
+                        <a:t>Journals</a:t>
+                      </a:r>
+                      <a:br>
+                        <a:rPr lang="fr-BE" dirty="0"/>
+                      </a:br>
+                      <a:r>
+                        <a:rPr lang="fr-BE" dirty="0" err="1"/>
+                        <a:t>Describe</a:t>
+                      </a:r>
+                      <a:r>
+                        <a:rPr lang="fr-BE" dirty="0"/>
+                        <a:t> </a:t>
+                      </a:r>
+                      <a:r>
+                        <a:rPr lang="fr-BE" dirty="0" err="1"/>
+                        <a:t>difference</a:t>
+                      </a:r>
+                      <a:r>
+                        <a:rPr lang="fr-BE" dirty="0"/>
+                        <a:t> </a:t>
+                      </a:r>
+                      <a:r>
+                        <a:rPr lang="fr-BE" dirty="0" err="1"/>
+                        <a:t>with</a:t>
+                      </a:r>
+                      <a:r>
+                        <a:rPr lang="fr-BE" dirty="0"/>
+                        <a:t> respect to standard journal usage + </a:t>
+                      </a:r>
+                      <a:r>
+                        <a:rPr lang="fr-BE" dirty="0" err="1"/>
+                        <a:t>payment</a:t>
+                      </a:r>
+                      <a:r>
+                        <a:rPr lang="fr-BE" dirty="0"/>
+                        <a:t> </a:t>
+                      </a:r>
+                      <a:r>
+                        <a:rPr lang="fr-BE" dirty="0" err="1"/>
+                        <a:t>method</a:t>
+                      </a:r>
+                      <a:endParaRPr lang="fr-BE" dirty="0"/>
+                    </a:p>
+                    <a:p>
+                      <a:r>
+                        <a:rPr lang="fr-BE" dirty="0"/>
+                        <a:t>Clearing </a:t>
+                      </a:r>
+                      <a:r>
+                        <a:rPr lang="fr-BE" dirty="0" err="1"/>
+                        <a:t>account</a:t>
+                      </a:r>
+                      <a:r>
+                        <a:rPr lang="fr-BE" dirty="0"/>
+                        <a:t> vs Suspense </a:t>
+                      </a:r>
+                      <a:r>
+                        <a:rPr lang="fr-BE"/>
+                        <a:t>account</a:t>
+                      </a:r>
+                      <a:endParaRPr lang="en-BE" dirty="0"/>
+                    </a:p>
+                  </a:txBody>
+                  <a:tcPr/>
+                </a:tc>
+                <a:extLst>
+                  <a:ext uri="{0D108BD9-81ED-4DB2-BD59-A6C34878D82A}">
+                    <a16:rowId xmlns:a16="http://schemas.microsoft.com/office/drawing/2014/main" val="1686995866"/>
                   </a:ext>
                 </a:extLst>
               </a:tr>

--- a/5.8/Tryton 5.8 - Doc 01.01 - Installation & administration.pptx
+++ b/5.8/Tryton 5.8 - Doc 01.01 - Installation & administration.pptx
@@ -6905,8 +6905,8 @@
         </p:nvSpPr>
         <p:spPr>
           <a:xfrm>
-            <a:off x="1428618" y="1064656"/>
-            <a:ext cx="9170377" cy="369332"/>
+            <a:off x="6865580" y="1531347"/>
+            <a:ext cx="3723410" cy="369332"/>
           </a:xfrm>
           <a:prstGeom prst="rect">
             <a:avLst/>
@@ -7112,8 +7112,8 @@
         </p:nvSpPr>
         <p:spPr>
           <a:xfrm>
-            <a:off x="4854150" y="1501964"/>
-            <a:ext cx="5440362" cy="461665"/>
+            <a:off x="3336868" y="1001183"/>
+            <a:ext cx="4964431" cy="461665"/>
           </a:xfrm>
           <a:prstGeom prst="rect">
             <a:avLst/>
@@ -7132,7 +7132,7 @@
             </a:r>
             <a:r>
               <a:rPr lang="fr-BE" sz="1200" dirty="0" err="1"/>
-              <a:t>will</a:t>
+              <a:t>is</a:t>
             </a:r>
             <a:r>
               <a:rPr lang="fr-BE" sz="1200" dirty="0"/>
@@ -7140,14 +7140,6 @@
             </a:r>
             <a:r>
               <a:rPr lang="fr-BE" sz="1200" dirty="0" err="1"/>
-              <a:t>be</a:t>
-            </a:r>
-            <a:r>
-              <a:rPr lang="fr-BE" sz="1200" dirty="0"/>
-              <a:t> </a:t>
-            </a:r>
-            <a:r>
-              <a:rPr lang="fr-BE" sz="1200" dirty="0" err="1"/>
               <a:t>accessed</a:t>
             </a:r>
             <a:r>
@@ -7170,15 +7162,7 @@
             </a:r>
             <a:r>
               <a:rPr lang="fr-BE" sz="1200" dirty="0" err="1"/>
-              <a:t>will</a:t>
-            </a:r>
-            <a:r>
-              <a:rPr lang="fr-BE" sz="1200" dirty="0"/>
-              <a:t> </a:t>
-            </a:r>
-            <a:r>
-              <a:rPr lang="fr-BE" sz="1200" dirty="0" err="1"/>
-              <a:t>be</a:t>
+              <a:t>is</a:t>
             </a:r>
             <a:r>
               <a:rPr lang="fr-BE" sz="1200" dirty="0"/>
@@ -8065,17 +8049,19 @@
           <p:cNvCxnSpPr>
             <a:cxnSpLocks/>
             <a:stCxn id="18" idx="2"/>
-            <a:endCxn id="100" idx="1"/>
+            <a:endCxn id="99" idx="0"/>
           </p:cNvCxnSpPr>
           <p:nvPr/>
         </p:nvCxnSpPr>
         <p:spPr>
           <a:xfrm rot="16200000" flipH="1">
-            <a:off x="5584831" y="1862963"/>
-            <a:ext cx="1978265" cy="1120313"/>
+            <a:off x="8285118" y="2342845"/>
+            <a:ext cx="893545" cy="9211"/>
           </a:xfrm>
-          <a:prstGeom prst="bentConnector2">
-            <a:avLst/>
+          <a:prstGeom prst="bentConnector3">
+            <a:avLst>
+              <a:gd name="adj1" fmla="val 50000"/>
+            </a:avLst>
           </a:prstGeom>
           <a:ln>
             <a:tailEnd type="triangle"/>
